--- a/PPTIE_de.pptx
+++ b/PPTIE_de.pptx
@@ -2985,7 +2985,7 @@
                   <a:srgbClr val="000000"/>
                 </a:solidFill>
               </a:rPr>
-              <a:t>PPT tëèstîîng</a:t>
+              <a:t>PPT tèéstîîng</a:t>
             </a:r>
           </a:p>
         </p:txBody>
@@ -3011,7 +3011,7 @@
                   <a:srgbClr val="000000"/>
                 </a:solidFill>
               </a:rPr>
-              <a:t>ÌÈ</a:t>
+              <a:t>ÌÉ</a:t>
             </a:r>
           </a:p>
         </p:txBody>
